--- a/Manuel/ManuelPPT.pptx
+++ b/Manuel/ManuelPPT.pptx
@@ -11,8 +11,8 @@
     <p:sldId id="256" r:id="rId2"/>
     <p:sldId id="257" r:id="rId3"/>
     <p:sldId id="258" r:id="rId4"/>
-    <p:sldId id="259" r:id="rId5"/>
-    <p:sldId id="260" r:id="rId6"/>
+    <p:sldId id="262" r:id="rId5"/>
+    <p:sldId id="263" r:id="rId6"/>
     <p:sldId id="261" r:id="rId7"/>
   </p:sldIdLst>
   <p:sldSz cx="12192000" cy="6858000"/>
@@ -112,6 +112,14 @@
       </a:defRPr>
     </a:lvl9pPr>
   </p:defaultTextStyle>
+  <p:extLst>
+    <p:ext uri="{EFAFB233-063F-42B5-8137-9DF3F51BA10A}">
+      <p15:sldGuideLst xmlns:p15="http://schemas.microsoft.com/office/powerpoint/2012/main"/>
+    </p:ext>
+    <p:ext uri="{2D200454-40CA-4A62-9FC3-DE9A4176ACB9}">
+      <p15:notesGuideLst xmlns:p15="http://schemas.microsoft.com/office/powerpoint/2012/main"/>
+    </p:ext>
+  </p:extLst>
 </p:presentation>
 </file>
 
@@ -197,7 +205,7 @@
           <a:p>
             <a:fld id="{DDA5BDF9-30C7-4312-828A-707200B63BDD}" type="datetimeFigureOut">
               <a:rPr lang="fr-FR" smtClean="0"/>
-              <a:t>19/04/2022</a:t>
+              <a:t>20/04/2022</a:t>
             </a:fld>
             <a:endParaRPr lang="fr-FR"/>
           </a:p>
@@ -695,7 +703,7 @@
           <a:p>
             <a:fld id="{3B83B8B5-921B-4AB5-9869-7D0048B24765}" type="datetimeFigureOut">
               <a:rPr lang="fr-FR" smtClean="0"/>
-              <a:t>19/04/2022</a:t>
+              <a:t>20/04/2022</a:t>
             </a:fld>
             <a:endParaRPr lang="fr-FR"/>
           </a:p>
@@ -893,7 +901,7 @@
           <a:p>
             <a:fld id="{3B83B8B5-921B-4AB5-9869-7D0048B24765}" type="datetimeFigureOut">
               <a:rPr lang="fr-FR" smtClean="0"/>
-              <a:t>19/04/2022</a:t>
+              <a:t>20/04/2022</a:t>
             </a:fld>
             <a:endParaRPr lang="fr-FR"/>
           </a:p>
@@ -1101,7 +1109,7 @@
           <a:p>
             <a:fld id="{3B83B8B5-921B-4AB5-9869-7D0048B24765}" type="datetimeFigureOut">
               <a:rPr lang="fr-FR" smtClean="0"/>
-              <a:t>19/04/2022</a:t>
+              <a:t>20/04/2022</a:t>
             </a:fld>
             <a:endParaRPr lang="fr-FR"/>
           </a:p>
@@ -1299,7 +1307,7 @@
           <a:p>
             <a:fld id="{3B83B8B5-921B-4AB5-9869-7D0048B24765}" type="datetimeFigureOut">
               <a:rPr lang="fr-FR" smtClean="0"/>
-              <a:t>19/04/2022</a:t>
+              <a:t>20/04/2022</a:t>
             </a:fld>
             <a:endParaRPr lang="fr-FR"/>
           </a:p>
@@ -1574,7 +1582,7 @@
           <a:p>
             <a:fld id="{3B83B8B5-921B-4AB5-9869-7D0048B24765}" type="datetimeFigureOut">
               <a:rPr lang="fr-FR" smtClean="0"/>
-              <a:t>19/04/2022</a:t>
+              <a:t>20/04/2022</a:t>
             </a:fld>
             <a:endParaRPr lang="fr-FR"/>
           </a:p>
@@ -1839,7 +1847,7 @@
           <a:p>
             <a:fld id="{3B83B8B5-921B-4AB5-9869-7D0048B24765}" type="datetimeFigureOut">
               <a:rPr lang="fr-FR" smtClean="0"/>
-              <a:t>19/04/2022</a:t>
+              <a:t>20/04/2022</a:t>
             </a:fld>
             <a:endParaRPr lang="fr-FR"/>
           </a:p>
@@ -2251,7 +2259,7 @@
           <a:p>
             <a:fld id="{3B83B8B5-921B-4AB5-9869-7D0048B24765}" type="datetimeFigureOut">
               <a:rPr lang="fr-FR" smtClean="0"/>
-              <a:t>19/04/2022</a:t>
+              <a:t>20/04/2022</a:t>
             </a:fld>
             <a:endParaRPr lang="fr-FR"/>
           </a:p>
@@ -2392,7 +2400,7 @@
           <a:p>
             <a:fld id="{3B83B8B5-921B-4AB5-9869-7D0048B24765}" type="datetimeFigureOut">
               <a:rPr lang="fr-FR" smtClean="0"/>
-              <a:t>19/04/2022</a:t>
+              <a:t>20/04/2022</a:t>
             </a:fld>
             <a:endParaRPr lang="fr-FR"/>
           </a:p>
@@ -2505,7 +2513,7 @@
           <a:p>
             <a:fld id="{3B83B8B5-921B-4AB5-9869-7D0048B24765}" type="datetimeFigureOut">
               <a:rPr lang="fr-FR" smtClean="0"/>
-              <a:t>19/04/2022</a:t>
+              <a:t>20/04/2022</a:t>
             </a:fld>
             <a:endParaRPr lang="fr-FR"/>
           </a:p>
@@ -2816,7 +2824,7 @@
           <a:p>
             <a:fld id="{3B83B8B5-921B-4AB5-9869-7D0048B24765}" type="datetimeFigureOut">
               <a:rPr lang="fr-FR" smtClean="0"/>
-              <a:t>19/04/2022</a:t>
+              <a:t>20/04/2022</a:t>
             </a:fld>
             <a:endParaRPr lang="fr-FR"/>
           </a:p>
@@ -3104,7 +3112,7 @@
           <a:p>
             <a:fld id="{3B83B8B5-921B-4AB5-9869-7D0048B24765}" type="datetimeFigureOut">
               <a:rPr lang="fr-FR" smtClean="0"/>
-              <a:t>19/04/2022</a:t>
+              <a:t>20/04/2022</a:t>
             </a:fld>
             <a:endParaRPr lang="fr-FR"/>
           </a:p>
@@ -3345,7 +3353,7 @@
           <a:p>
             <a:fld id="{3B83B8B5-921B-4AB5-9869-7D0048B24765}" type="datetimeFigureOut">
               <a:rPr lang="fr-FR" smtClean="0"/>
-              <a:t>19/04/2022</a:t>
+              <a:t>20/04/2022</a:t>
             </a:fld>
             <a:endParaRPr lang="fr-FR"/>
           </a:p>
@@ -3895,7 +3903,7 @@
         </p:nvSpPr>
         <p:spPr>
           <a:xfrm>
-            <a:off x="2248679" y="1233826"/>
+            <a:off x="2475102" y="2183061"/>
             <a:ext cx="5180821" cy="2308324"/>
           </a:xfrm>
           <a:prstGeom prst="rect">
@@ -3931,7 +3939,7 @@
         </p:nvSpPr>
         <p:spPr>
           <a:xfrm>
-            <a:off x="3950192" y="514350"/>
+            <a:off x="4176615" y="1463585"/>
             <a:ext cx="1777794" cy="461665"/>
           </a:xfrm>
           <a:prstGeom prst="rect">
@@ -4018,12 +4026,178 @@
           <a:chExt cx="0" cy="0"/>
         </a:xfrm>
       </p:grpSpPr>
+      <p:sp>
+        <p:nvSpPr>
+          <p:cNvPr id="3" name="ZoneTexte 2">
+            <a:extLst>
+              <a:ext uri="{FF2B5EF4-FFF2-40B4-BE49-F238E27FC236}">
+                <a16:creationId xmlns:a16="http://schemas.microsoft.com/office/drawing/2014/main" id="{AC3D4037-699F-4FBF-96BF-7C1A7F9FB905}"/>
+              </a:ext>
+            </a:extLst>
+          </p:cNvPr>
+          <p:cNvSpPr txBox="1"/>
+          <p:nvPr/>
+        </p:nvSpPr>
+        <p:spPr>
+          <a:xfrm>
+            <a:off x="4259407" y="27987"/>
+            <a:ext cx="3673185" cy="461665"/>
+          </a:xfrm>
+          <a:prstGeom prst="rect">
+            <a:avLst/>
+          </a:prstGeom>
+          <a:noFill/>
+        </p:spPr>
+        <p:txBody>
+          <a:bodyPr wrap="none" rtlCol="0">
+            <a:spAutoFit/>
+          </a:bodyPr>
+          <a:lstStyle/>
+          <a:p>
+            <a:r>
+              <a:rPr lang="fr-FR" sz="2400" b="1" dirty="0"/>
+              <a:t>Interface d’authentification</a:t>
+            </a:r>
+          </a:p>
+        </p:txBody>
+      </p:sp>
+      <p:sp>
+        <p:nvSpPr>
+          <p:cNvPr id="4" name="ZoneTexte 3">
+            <a:extLst>
+              <a:ext uri="{FF2B5EF4-FFF2-40B4-BE49-F238E27FC236}">
+                <a16:creationId xmlns:a16="http://schemas.microsoft.com/office/drawing/2014/main" id="{6B7FD4F0-9BBC-4D0F-831E-7A9D62073BEC}"/>
+              </a:ext>
+            </a:extLst>
+          </p:cNvPr>
+          <p:cNvSpPr txBox="1"/>
+          <p:nvPr/>
+        </p:nvSpPr>
+        <p:spPr>
+          <a:xfrm>
+            <a:off x="6945364" y="1042509"/>
+            <a:ext cx="5165771" cy="5078313"/>
+          </a:xfrm>
+          <a:prstGeom prst="rect">
+            <a:avLst/>
+          </a:prstGeom>
+          <a:noFill/>
+        </p:spPr>
+        <p:txBody>
+          <a:bodyPr wrap="square" rtlCol="0">
+            <a:spAutoFit/>
+          </a:bodyPr>
+          <a:lstStyle/>
+          <a:p>
+            <a:pPr marL="285750" indent="-285750">
+              <a:buFont typeface="Arial" panose="020B0604020202020204" pitchFamily="34" charset="0"/>
+              <a:buChar char="•"/>
+            </a:pPr>
+            <a:r>
+              <a:rPr lang="fr-FR" dirty="0"/>
+              <a:t>Choisir si vous êtes formateur ou administrateur.</a:t>
+            </a:r>
+          </a:p>
+          <a:p>
+            <a:pPr marL="285750" indent="-285750">
+              <a:buFont typeface="Arial" panose="020B0604020202020204" pitchFamily="34" charset="0"/>
+              <a:buChar char="•"/>
+            </a:pPr>
+            <a:endParaRPr lang="fr-FR" dirty="0"/>
+          </a:p>
+          <a:p>
+            <a:pPr marL="285750" indent="-285750">
+              <a:buFont typeface="Arial" panose="020B0604020202020204" pitchFamily="34" charset="0"/>
+              <a:buChar char="•"/>
+            </a:pPr>
+            <a:r>
+              <a:rPr lang="fr-FR" dirty="0"/>
+              <a:t>Votre nom d’utilisateur et mot de passe vous seront défini selon votre statut.</a:t>
+            </a:r>
+          </a:p>
+          <a:p>
+            <a:pPr marL="285750" indent="-285750">
+              <a:buFont typeface="Arial" panose="020B0604020202020204" pitchFamily="34" charset="0"/>
+              <a:buChar char="•"/>
+            </a:pPr>
+            <a:endParaRPr lang="fr-FR" dirty="0"/>
+          </a:p>
+          <a:p>
+            <a:pPr marL="285750" indent="-285750">
+              <a:buFont typeface="Arial" panose="020B0604020202020204" pitchFamily="34" charset="0"/>
+              <a:buChar char="•"/>
+            </a:pPr>
+            <a:r>
+              <a:rPr lang="fr-FR" dirty="0"/>
+              <a:t>La connexion en tant que formateur vous permet uniquement d’ajouter un stagiaire.</a:t>
+            </a:r>
+          </a:p>
+          <a:p>
+            <a:pPr marL="285750" indent="-285750">
+              <a:buFont typeface="Arial" panose="020B0604020202020204" pitchFamily="34" charset="0"/>
+              <a:buChar char="•"/>
+            </a:pPr>
+            <a:endParaRPr lang="fr-FR" dirty="0"/>
+          </a:p>
+          <a:p>
+            <a:pPr marL="285750" indent="-285750">
+              <a:buFont typeface="Arial" panose="020B0604020202020204" pitchFamily="34" charset="0"/>
+              <a:buChar char="•"/>
+            </a:pPr>
+            <a:r>
+              <a:rPr lang="fr-FR" dirty="0"/>
+              <a:t>La connexion en tant qu’administrateur vous permet d’ajouter, de supprimer et de modifier un stagiaire.</a:t>
+            </a:r>
+          </a:p>
+          <a:p>
+            <a:pPr marL="285750" indent="-285750">
+              <a:buFont typeface="Arial" panose="020B0604020202020204" pitchFamily="34" charset="0"/>
+              <a:buChar char="•"/>
+            </a:pPr>
+            <a:endParaRPr lang="fr-FR" dirty="0"/>
+          </a:p>
+          <a:p>
+            <a:pPr marL="285750" indent="-285750">
+              <a:buFont typeface="Arial" panose="020B0604020202020204" pitchFamily="34" charset="0"/>
+              <a:buChar char="•"/>
+            </a:pPr>
+            <a:r>
+              <a:rPr lang="fr-FR" dirty="0"/>
+              <a:t>Un bouton à Propos vous permet d’aller vers une interface « à propos » présentée dans la suite de ce manuel.</a:t>
+            </a:r>
+          </a:p>
+          <a:p>
+            <a:pPr marL="285750" indent="-285750">
+              <a:buFont typeface="Arial" panose="020B0604020202020204" pitchFamily="34" charset="0"/>
+              <a:buChar char="•"/>
+            </a:pPr>
+            <a:endParaRPr lang="fr-FR" dirty="0"/>
+          </a:p>
+          <a:p>
+            <a:pPr marL="285750" indent="-285750">
+              <a:buFont typeface="Arial" panose="020B0604020202020204" pitchFamily="34" charset="0"/>
+              <a:buChar char="•"/>
+            </a:pPr>
+            <a:r>
+              <a:rPr lang="fr-FR" dirty="0"/>
+              <a:t>Cliquez sur l’image du logo ISIKA pour se rendre sur le site web </a:t>
+            </a:r>
+            <a:r>
+              <a:rPr lang="fr-FR" dirty="0">
+                <a:hlinkClick r:id="rId2"/>
+              </a:rPr>
+              <a:t>https://projet-isika.com/</a:t>
+            </a:r>
+            <a:endParaRPr lang="fr-FR" dirty="0"/>
+          </a:p>
+        </p:txBody>
+      </p:sp>
       <p:pic>
         <p:nvPicPr>
-          <p:cNvPr id="2" name="Image 1">
-            <a:extLst>
-              <a:ext uri="{FF2B5EF4-FFF2-40B4-BE49-F238E27FC236}">
-                <a16:creationId xmlns:a16="http://schemas.microsoft.com/office/drawing/2014/main" id="{1A456D09-115C-4796-871B-E42E1CAD97B6}"/>
+          <p:cNvPr id="6" name="Image 5">
+            <a:extLst>
+              <a:ext uri="{FF2B5EF4-FFF2-40B4-BE49-F238E27FC236}">
+                <a16:creationId xmlns:a16="http://schemas.microsoft.com/office/drawing/2014/main" id="{7BE6F1A0-281B-4B45-919A-9844705DEB32}"/>
               </a:ext>
             </a:extLst>
           </p:cNvPr>
@@ -4032,164 +4206,26 @@
           </p:cNvPicPr>
           <p:nvPr/>
         </p:nvPicPr>
-        <p:blipFill>
-          <a:blip r:embed="rId2">
-            <a:extLst>
-              <a:ext uri="{28A0092B-C50C-407E-A947-70E740481C1C}">
-                <a14:useLocalDpi xmlns:a14="http://schemas.microsoft.com/office/drawing/2010/main" val="0"/>
-              </a:ext>
-            </a:extLst>
-          </a:blip>
-          <a:stretch>
-            <a:fillRect/>
-          </a:stretch>
+        <p:blipFill rotWithShape="1">
+          <a:blip r:embed="rId3"/>
+          <a:srcRect l="1225" t="971" r="1546" b="1"/>
+          <a:stretch/>
         </p:blipFill>
         <p:spPr>
           <a:xfrm>
-            <a:off x="321890" y="1042509"/>
-            <a:ext cx="6488700" cy="4772982"/>
+            <a:off x="165462" y="1077338"/>
+            <a:ext cx="6714309" cy="5008653"/>
           </a:xfrm>
           <a:prstGeom prst="rect">
             <a:avLst/>
           </a:prstGeom>
-          <a:ln w="19050">
+          <a:ln w="28575">
             <a:solidFill>
               <a:schemeClr val="tx1"/>
             </a:solidFill>
           </a:ln>
         </p:spPr>
       </p:pic>
-      <p:sp>
-        <p:nvSpPr>
-          <p:cNvPr id="3" name="ZoneTexte 2">
-            <a:extLst>
-              <a:ext uri="{FF2B5EF4-FFF2-40B4-BE49-F238E27FC236}">
-                <a16:creationId xmlns:a16="http://schemas.microsoft.com/office/drawing/2014/main" id="{AC3D4037-699F-4FBF-96BF-7C1A7F9FB905}"/>
-              </a:ext>
-            </a:extLst>
-          </p:cNvPr>
-          <p:cNvSpPr txBox="1"/>
-          <p:nvPr/>
-        </p:nvSpPr>
-        <p:spPr>
-          <a:xfrm>
-            <a:off x="4259407" y="27987"/>
-            <a:ext cx="3673185" cy="461665"/>
-          </a:xfrm>
-          <a:prstGeom prst="rect">
-            <a:avLst/>
-          </a:prstGeom>
-          <a:noFill/>
-        </p:spPr>
-        <p:txBody>
-          <a:bodyPr wrap="none" rtlCol="0">
-            <a:spAutoFit/>
-          </a:bodyPr>
-          <a:lstStyle/>
-          <a:p>
-            <a:r>
-              <a:rPr lang="fr-FR" sz="2400" b="1" dirty="0"/>
-              <a:t>Interface d’authentification</a:t>
-            </a:r>
-          </a:p>
-        </p:txBody>
-      </p:sp>
-      <p:sp>
-        <p:nvSpPr>
-          <p:cNvPr id="4" name="ZoneTexte 3">
-            <a:extLst>
-              <a:ext uri="{FF2B5EF4-FFF2-40B4-BE49-F238E27FC236}">
-                <a16:creationId xmlns:a16="http://schemas.microsoft.com/office/drawing/2014/main" id="{6B7FD4F0-9BBC-4D0F-831E-7A9D62073BEC}"/>
-              </a:ext>
-            </a:extLst>
-          </p:cNvPr>
-          <p:cNvSpPr txBox="1"/>
-          <p:nvPr/>
-        </p:nvSpPr>
-        <p:spPr>
-          <a:xfrm>
-            <a:off x="6945364" y="1042509"/>
-            <a:ext cx="5165771" cy="3693319"/>
-          </a:xfrm>
-          <a:prstGeom prst="rect">
-            <a:avLst/>
-          </a:prstGeom>
-          <a:noFill/>
-        </p:spPr>
-        <p:txBody>
-          <a:bodyPr wrap="square" rtlCol="0">
-            <a:spAutoFit/>
-          </a:bodyPr>
-          <a:lstStyle/>
-          <a:p>
-            <a:pPr marL="285750" indent="-285750">
-              <a:buFont typeface="Arial" panose="020B0604020202020204" pitchFamily="34" charset="0"/>
-              <a:buChar char="•"/>
-            </a:pPr>
-            <a:r>
-              <a:rPr lang="fr-FR" dirty="0"/>
-              <a:t>Choisir si vous êtes formateur ou administrateur.</a:t>
-            </a:r>
-          </a:p>
-          <a:p>
-            <a:pPr marL="285750" indent="-285750">
-              <a:buFont typeface="Arial" panose="020B0604020202020204" pitchFamily="34" charset="0"/>
-              <a:buChar char="•"/>
-            </a:pPr>
-            <a:r>
-              <a:rPr lang="fr-FR" dirty="0"/>
-              <a:t>Votre nom d’utilisateur et mot de passe vous seront défini selon votre statut.</a:t>
-            </a:r>
-          </a:p>
-          <a:p>
-            <a:pPr marL="285750" indent="-285750">
-              <a:buFont typeface="Arial" panose="020B0604020202020204" pitchFamily="34" charset="0"/>
-              <a:buChar char="•"/>
-            </a:pPr>
-            <a:r>
-              <a:rPr lang="fr-FR" dirty="0"/>
-              <a:t>La connexion en tant que formateur vous permet uniquement d’ajouter un stagiaire.</a:t>
-            </a:r>
-          </a:p>
-          <a:p>
-            <a:pPr marL="285750" indent="-285750">
-              <a:buFont typeface="Arial" panose="020B0604020202020204" pitchFamily="34" charset="0"/>
-              <a:buChar char="•"/>
-            </a:pPr>
-            <a:r>
-              <a:rPr lang="fr-FR" dirty="0"/>
-              <a:t>La connexion en tant qu’administrateur vous permet d’ajouter, de supprimer et de modifier un stagiaire.</a:t>
-            </a:r>
-          </a:p>
-          <a:p>
-            <a:pPr marL="285750" indent="-285750">
-              <a:buFont typeface="Arial" panose="020B0604020202020204" pitchFamily="34" charset="0"/>
-              <a:buChar char="•"/>
-            </a:pPr>
-            <a:r>
-              <a:rPr lang="fr-FR" dirty="0"/>
-              <a:t>Un bouton à Propos vous permet d’aller vers une interface « à propos » présentée dans la suite de ce manuel.</a:t>
-            </a:r>
-          </a:p>
-          <a:p>
-            <a:pPr marL="285750" indent="-285750">
-              <a:buFont typeface="Arial" panose="020B0604020202020204" pitchFamily="34" charset="0"/>
-              <a:buChar char="•"/>
-            </a:pPr>
-            <a:r>
-              <a:rPr lang="fr-FR" dirty="0"/>
-              <a:t>Cliquez sur l’image du logo ISIKA pour se rendre sur le site web </a:t>
-            </a:r>
-            <a:r>
-              <a:rPr lang="fr-FR" dirty="0">
-                <a:hlinkClick r:id="rId3"/>
-              </a:rPr>
-              <a:t>https://projet-isika.com/</a:t>
-            </a:r>
-            <a:endParaRPr lang="fr-FR" dirty="0"/>
-          </a:p>
-        </p:txBody>
-      </p:sp>
     </p:spTree>
     <p:extLst>
       <p:ext uri="{BB962C8B-B14F-4D97-AF65-F5344CB8AC3E}">
@@ -4220,47 +4256,12 @@
           <a:chExt cx="0" cy="0"/>
         </a:xfrm>
       </p:grpSpPr>
-      <p:sp>
-        <p:nvSpPr>
-          <p:cNvPr id="2" name="ZoneTexte 1">
-            <a:extLst>
-              <a:ext uri="{FF2B5EF4-FFF2-40B4-BE49-F238E27FC236}">
-                <a16:creationId xmlns:a16="http://schemas.microsoft.com/office/drawing/2014/main" id="{B9A73AFC-6517-46B7-99F5-C837B01F1AE2}"/>
-              </a:ext>
-            </a:extLst>
-          </p:cNvPr>
-          <p:cNvSpPr txBox="1"/>
-          <p:nvPr/>
-        </p:nvSpPr>
-        <p:spPr>
-          <a:xfrm>
-            <a:off x="3626638" y="0"/>
-            <a:ext cx="4938724" cy="461665"/>
-          </a:xfrm>
-          <a:prstGeom prst="rect">
-            <a:avLst/>
-          </a:prstGeom>
-          <a:noFill/>
-        </p:spPr>
-        <p:txBody>
-          <a:bodyPr wrap="none" rtlCol="0">
-            <a:spAutoFit/>
-          </a:bodyPr>
-          <a:lstStyle/>
-          <a:p>
-            <a:r>
-              <a:rPr lang="fr-FR" sz="2400" b="1" dirty="0"/>
-              <a:t>Interface Administrateur / Formateur</a:t>
-            </a:r>
-          </a:p>
-        </p:txBody>
-      </p:sp>
       <p:pic>
         <p:nvPicPr>
           <p:cNvPr id="4" name="Image 3">
             <a:extLst>
               <a:ext uri="{FF2B5EF4-FFF2-40B4-BE49-F238E27FC236}">
-                <a16:creationId xmlns:a16="http://schemas.microsoft.com/office/drawing/2014/main" id="{2BFD65F8-E28F-4CA2-836D-F10295A05404}"/>
+                <a16:creationId xmlns:a16="http://schemas.microsoft.com/office/drawing/2014/main" id="{D28FAC02-16A4-4F28-B61C-D060CC12133D}"/>
               </a:ext>
             </a:extLst>
           </p:cNvPr>
@@ -4270,26 +4271,20 @@
           <p:nvPr/>
         </p:nvPicPr>
         <p:blipFill>
-          <a:blip r:embed="rId2">
-            <a:extLst>
-              <a:ext uri="{28A0092B-C50C-407E-A947-70E740481C1C}">
-                <a14:useLocalDpi xmlns:a14="http://schemas.microsoft.com/office/drawing/2010/main" val="0"/>
-              </a:ext>
-            </a:extLst>
-          </a:blip>
+          <a:blip r:embed="rId2"/>
           <a:stretch>
             <a:fillRect/>
           </a:stretch>
         </p:blipFill>
         <p:spPr>
           <a:xfrm>
-            <a:off x="130629" y="1281112"/>
-            <a:ext cx="8734425" cy="4295775"/>
+            <a:off x="212544" y="2149657"/>
+            <a:ext cx="8858250" cy="4572000"/>
           </a:xfrm>
           <a:prstGeom prst="rect">
             <a:avLst/>
           </a:prstGeom>
-          <a:ln w="19050">
+          <a:ln w="28575">
             <a:solidFill>
               <a:schemeClr val="tx1"/>
             </a:solidFill>
@@ -4301,7 +4296,7 @@
           <p:cNvPr id="5" name="Cadre 4">
             <a:extLst>
               <a:ext uri="{FF2B5EF4-FFF2-40B4-BE49-F238E27FC236}">
-                <a16:creationId xmlns:a16="http://schemas.microsoft.com/office/drawing/2014/main" id="{2C0F6F3E-329E-4ED6-8362-31C2C7184DEF}"/>
+                <a16:creationId xmlns:a16="http://schemas.microsoft.com/office/drawing/2014/main" id="{D1F6CFA0-CCD3-4196-A381-ED5A254EE8CB}"/>
               </a:ext>
             </a:extLst>
           </p:cNvPr>
@@ -4310,11 +4305,13 @@
         </p:nvSpPr>
         <p:spPr>
           <a:xfrm>
-            <a:off x="5309118" y="4170783"/>
-            <a:ext cx="1418253" cy="335903"/>
+            <a:off x="7442718" y="5116482"/>
+            <a:ext cx="1418253" cy="793101"/>
           </a:xfrm>
           <a:prstGeom prst="frame">
-            <a:avLst/>
+            <a:avLst>
+              <a:gd name="adj1" fmla="val 4662"/>
+            </a:avLst>
           </a:prstGeom>
           <a:solidFill>
             <a:srgbClr val="EB8051"/>
@@ -4356,10 +4353,10 @@
       </p:sp>
       <p:sp>
         <p:nvSpPr>
-          <p:cNvPr id="6" name="Cadre 5">
-            <a:extLst>
-              <a:ext uri="{FF2B5EF4-FFF2-40B4-BE49-F238E27FC236}">
-                <a16:creationId xmlns:a16="http://schemas.microsoft.com/office/drawing/2014/main" id="{668D56AC-124F-405B-ACA7-7BE45122A265}"/>
+          <p:cNvPr id="8" name="Rectangle 7">
+            <a:extLst>
+              <a:ext uri="{FF2B5EF4-FFF2-40B4-BE49-F238E27FC236}">
+                <a16:creationId xmlns:a16="http://schemas.microsoft.com/office/drawing/2014/main" id="{F23267ED-BAE9-466D-9CDD-BD5A43071DEC}"/>
               </a:ext>
             </a:extLst>
           </p:cNvPr>
@@ -4368,11 +4365,172 @@
         </p:nvSpPr>
         <p:spPr>
           <a:xfrm>
-            <a:off x="5309118" y="4556450"/>
-            <a:ext cx="1418253" cy="335903"/>
+            <a:off x="9261566" y="5072937"/>
+            <a:ext cx="2808514" cy="914400"/>
+          </a:xfrm>
+          <a:prstGeom prst="rect">
+            <a:avLst/>
+          </a:prstGeom>
+          <a:solidFill>
+            <a:srgbClr val="E27445">
+              <a:alpha val="70000"/>
+            </a:srgbClr>
+          </a:solidFill>
+        </p:spPr>
+        <p:style>
+          <a:lnRef idx="2">
+            <a:schemeClr val="accent1">
+              <a:shade val="50000"/>
+            </a:schemeClr>
+          </a:lnRef>
+          <a:fillRef idx="1">
+            <a:schemeClr val="accent1"/>
+          </a:fillRef>
+          <a:effectRef idx="0">
+            <a:schemeClr val="accent1"/>
+          </a:effectRef>
+          <a:fontRef idx="minor">
+            <a:schemeClr val="lt1"/>
+          </a:fontRef>
+        </p:style>
+        <p:txBody>
+          <a:bodyPr rtlCol="0" anchor="ctr"/>
+          <a:lstStyle/>
+          <a:p>
+            <a:r>
+              <a:rPr lang="fr-FR" sz="1600" dirty="0">
+                <a:solidFill>
+                  <a:schemeClr val="tx1"/>
+                </a:solidFill>
+              </a:rPr>
+              <a:t>Fonctionnalités accessible uniquement aux administrateurs.</a:t>
+            </a:r>
+          </a:p>
+        </p:txBody>
+      </p:sp>
+      <p:cxnSp>
+        <p:nvCxnSpPr>
+          <p:cNvPr id="9" name="Connecteur droit avec flèche 8">
+            <a:extLst>
+              <a:ext uri="{FF2B5EF4-FFF2-40B4-BE49-F238E27FC236}">
+                <a16:creationId xmlns:a16="http://schemas.microsoft.com/office/drawing/2014/main" id="{83E93972-264F-4CDE-B2C1-1CF6AB88FCC0}"/>
+              </a:ext>
+            </a:extLst>
+          </p:cNvPr>
+          <p:cNvCxnSpPr>
+            <a:cxnSpLocks/>
+            <a:endCxn id="8" idx="1"/>
+          </p:cNvCxnSpPr>
+          <p:nvPr/>
+        </p:nvCxnSpPr>
+        <p:spPr>
+          <a:xfrm flipV="1">
+            <a:off x="8860971" y="5530137"/>
+            <a:ext cx="400595" cy="92063"/>
+          </a:xfrm>
+          <a:prstGeom prst="straightConnector1">
+            <a:avLst/>
+          </a:prstGeom>
+          <a:ln w="38100">
+            <a:solidFill>
+              <a:srgbClr val="E37E5D"/>
+            </a:solidFill>
+            <a:tailEnd type="triangle"/>
+          </a:ln>
+        </p:spPr>
+        <p:style>
+          <a:lnRef idx="1">
+            <a:schemeClr val="accent1"/>
+          </a:lnRef>
+          <a:fillRef idx="0">
+            <a:schemeClr val="accent1"/>
+          </a:fillRef>
+          <a:effectRef idx="0">
+            <a:schemeClr val="accent1"/>
+          </a:effectRef>
+          <a:fontRef idx="minor">
+            <a:schemeClr val="tx1"/>
+          </a:fontRef>
+        </p:style>
+      </p:cxnSp>
+      <p:sp>
+        <p:nvSpPr>
+          <p:cNvPr id="14" name="Rectangle 13">
+            <a:extLst>
+              <a:ext uri="{FF2B5EF4-FFF2-40B4-BE49-F238E27FC236}">
+                <a16:creationId xmlns:a16="http://schemas.microsoft.com/office/drawing/2014/main" id="{720271D9-72BC-42AC-B503-498E527A46BB}"/>
+              </a:ext>
+            </a:extLst>
+          </p:cNvPr>
+          <p:cNvSpPr/>
+          <p:nvPr/>
+        </p:nvSpPr>
+        <p:spPr>
+          <a:xfrm>
+            <a:off x="403636" y="3674078"/>
+            <a:ext cx="3582541" cy="761579"/>
+          </a:xfrm>
+          <a:prstGeom prst="rect">
+            <a:avLst/>
+          </a:prstGeom>
+          <a:solidFill>
+            <a:srgbClr val="E27445">
+              <a:alpha val="70000"/>
+            </a:srgbClr>
+          </a:solidFill>
+        </p:spPr>
+        <p:style>
+          <a:lnRef idx="2">
+            <a:schemeClr val="accent1">
+              <a:shade val="50000"/>
+            </a:schemeClr>
+          </a:lnRef>
+          <a:fillRef idx="1">
+            <a:schemeClr val="accent1"/>
+          </a:fillRef>
+          <a:effectRef idx="0">
+            <a:schemeClr val="accent1"/>
+          </a:effectRef>
+          <a:fontRef idx="minor">
+            <a:schemeClr val="lt1"/>
+          </a:fontRef>
+        </p:style>
+        <p:txBody>
+          <a:bodyPr rtlCol="0" anchor="ctr"/>
+          <a:lstStyle/>
+          <a:p>
+            <a:r>
+              <a:rPr lang="fr-FR" sz="1600" dirty="0">
+                <a:solidFill>
+                  <a:schemeClr val="tx1"/>
+                </a:solidFill>
+              </a:rPr>
+              <a:t>Permet de rechercher un stagiaire par son nom, département ou année d’entrée</a:t>
+            </a:r>
+          </a:p>
+        </p:txBody>
+      </p:sp>
+      <p:sp>
+        <p:nvSpPr>
+          <p:cNvPr id="15" name="Cadre 14">
+            <a:extLst>
+              <a:ext uri="{FF2B5EF4-FFF2-40B4-BE49-F238E27FC236}">
+                <a16:creationId xmlns:a16="http://schemas.microsoft.com/office/drawing/2014/main" id="{DBB5C7B9-8199-4FA5-BD26-B862C3A56A34}"/>
+              </a:ext>
+            </a:extLst>
+          </p:cNvPr>
+          <p:cNvSpPr/>
+          <p:nvPr/>
+        </p:nvSpPr>
+        <p:spPr>
+          <a:xfrm>
+            <a:off x="288627" y="2757079"/>
+            <a:ext cx="5075853" cy="339635"/>
           </a:xfrm>
           <a:prstGeom prst="frame">
-            <a:avLst/>
+            <a:avLst>
+              <a:gd name="adj1" fmla="val 4662"/>
+            </a:avLst>
           </a:prstGeom>
           <a:solidFill>
             <a:srgbClr val="EB8051"/>
@@ -4414,24 +4572,24 @@
       </p:sp>
       <p:cxnSp>
         <p:nvCxnSpPr>
-          <p:cNvPr id="8" name="Connecteur droit avec flèche 7">
-            <a:extLst>
-              <a:ext uri="{FF2B5EF4-FFF2-40B4-BE49-F238E27FC236}">
-                <a16:creationId xmlns:a16="http://schemas.microsoft.com/office/drawing/2014/main" id="{E9E2B42E-C679-4D92-8466-33B0A6A7581B}"/>
+          <p:cNvPr id="16" name="Connecteur droit avec flèche 15">
+            <a:extLst>
+              <a:ext uri="{FF2B5EF4-FFF2-40B4-BE49-F238E27FC236}">
+                <a16:creationId xmlns:a16="http://schemas.microsoft.com/office/drawing/2014/main" id="{C6C4B437-DFEE-4C85-8AF3-36FFDBB3D06D}"/>
               </a:ext>
             </a:extLst>
           </p:cNvPr>
           <p:cNvCxnSpPr>
             <a:cxnSpLocks/>
-            <a:stCxn id="14" idx="3"/>
-            <a:endCxn id="5" idx="1"/>
+            <a:stCxn id="15" idx="2"/>
+            <a:endCxn id="14" idx="0"/>
           </p:cNvCxnSpPr>
           <p:nvPr/>
         </p:nvCxnSpPr>
         <p:spPr>
-          <a:xfrm>
-            <a:off x="4310743" y="4310743"/>
-            <a:ext cx="998375" cy="27992"/>
+          <a:xfrm flipH="1">
+            <a:off x="2194907" y="3096714"/>
+            <a:ext cx="631647" cy="577364"/>
           </a:xfrm>
           <a:prstGeom prst="straightConnector1">
             <a:avLst/>
@@ -4460,23 +4618,23 @@
       </p:cxnSp>
       <p:cxnSp>
         <p:nvCxnSpPr>
-          <p:cNvPr id="9" name="Connecteur droit avec flèche 8">
-            <a:extLst>
-              <a:ext uri="{FF2B5EF4-FFF2-40B4-BE49-F238E27FC236}">
-                <a16:creationId xmlns:a16="http://schemas.microsoft.com/office/drawing/2014/main" id="{132B67A5-8A9B-41C5-BFF5-C39BACF2BE5C}"/>
+          <p:cNvPr id="20" name="Connecteur droit avec flèche 19">
+            <a:extLst>
+              <a:ext uri="{FF2B5EF4-FFF2-40B4-BE49-F238E27FC236}">
+                <a16:creationId xmlns:a16="http://schemas.microsoft.com/office/drawing/2014/main" id="{B4D5F08D-BC76-4AF4-95EF-74497D999FA3}"/>
               </a:ext>
             </a:extLst>
           </p:cNvPr>
           <p:cNvCxnSpPr>
             <a:cxnSpLocks/>
-            <a:stCxn id="14" idx="3"/>
+            <a:stCxn id="23" idx="3"/>
           </p:cNvCxnSpPr>
           <p:nvPr/>
         </p:nvCxnSpPr>
         <p:spPr>
-          <a:xfrm>
-            <a:off x="4310743" y="4310743"/>
-            <a:ext cx="998375" cy="413658"/>
+          <a:xfrm flipV="1">
+            <a:off x="4703756" y="5291274"/>
+            <a:ext cx="2959787" cy="320015"/>
           </a:xfrm>
           <a:prstGeom prst="straightConnector1">
             <a:avLst/>
@@ -4505,27 +4663,27 @@
       </p:cxnSp>
       <p:sp>
         <p:nvSpPr>
-          <p:cNvPr id="14" name="Rectangle 13">
-            <a:extLst>
-              <a:ext uri="{FF2B5EF4-FFF2-40B4-BE49-F238E27FC236}">
-                <a16:creationId xmlns:a16="http://schemas.microsoft.com/office/drawing/2014/main" id="{16F947BD-43FF-45DD-A13F-5ADF902AC46A}"/>
-              </a:ext>
-            </a:extLst>
-          </p:cNvPr>
-          <p:cNvSpPr/>
+          <p:cNvPr id="23" name="ZoneTexte 22">
+            <a:extLst>
+              <a:ext uri="{FF2B5EF4-FFF2-40B4-BE49-F238E27FC236}">
+                <a16:creationId xmlns:a16="http://schemas.microsoft.com/office/drawing/2014/main" id="{92C6D038-9D93-4291-8EE2-D8EBD1143B7A}"/>
+              </a:ext>
+            </a:extLst>
+          </p:cNvPr>
+          <p:cNvSpPr txBox="1"/>
           <p:nvPr/>
         </p:nvSpPr>
         <p:spPr>
           <a:xfrm>
-            <a:off x="1502229" y="3853543"/>
-            <a:ext cx="2808514" cy="914400"/>
+            <a:off x="1477926" y="5072937"/>
+            <a:ext cx="3225830" cy="1076704"/>
           </a:xfrm>
           <a:prstGeom prst="rect">
             <a:avLst/>
           </a:prstGeom>
           <a:solidFill>
             <a:srgbClr val="E27445">
-              <a:alpha val="50000"/>
+              <a:alpha val="70000"/>
             </a:srgbClr>
           </a:solidFill>
         </p:spPr>
@@ -4547,26 +4705,87 @@
         </p:style>
         <p:txBody>
           <a:bodyPr rtlCol="0" anchor="ctr"/>
-          <a:lstStyle/>
-          <a:p>
-            <a:pPr algn="ctr"/>
-            <a:r>
-              <a:rPr lang="fr-FR" dirty="0">
+          <a:lstStyle>
+            <a:defPPr>
+              <a:defRPr lang="fr-FR"/>
+            </a:defPPr>
+            <a:lvl1pPr algn="ctr"/>
+            <a:lvl2pPr>
+              <a:defRPr>
+                <a:solidFill>
+                  <a:schemeClr val="lt1"/>
+                </a:solidFill>
+              </a:defRPr>
+            </a:lvl2pPr>
+            <a:lvl3pPr>
+              <a:defRPr>
+                <a:solidFill>
+                  <a:schemeClr val="lt1"/>
+                </a:solidFill>
+              </a:defRPr>
+            </a:lvl3pPr>
+            <a:lvl4pPr>
+              <a:defRPr>
+                <a:solidFill>
+                  <a:schemeClr val="lt1"/>
+                </a:solidFill>
+              </a:defRPr>
+            </a:lvl4pPr>
+            <a:lvl5pPr>
+              <a:defRPr>
+                <a:solidFill>
+                  <a:schemeClr val="lt1"/>
+                </a:solidFill>
+              </a:defRPr>
+            </a:lvl5pPr>
+            <a:lvl6pPr>
+              <a:defRPr>
+                <a:solidFill>
+                  <a:schemeClr val="lt1"/>
+                </a:solidFill>
+              </a:defRPr>
+            </a:lvl6pPr>
+            <a:lvl7pPr>
+              <a:defRPr>
+                <a:solidFill>
+                  <a:schemeClr val="lt1"/>
+                </a:solidFill>
+              </a:defRPr>
+            </a:lvl7pPr>
+            <a:lvl8pPr>
+              <a:defRPr>
+                <a:solidFill>
+                  <a:schemeClr val="lt1"/>
+                </a:solidFill>
+              </a:defRPr>
+            </a:lvl8pPr>
+            <a:lvl9pPr>
+              <a:defRPr>
+                <a:solidFill>
+                  <a:schemeClr val="lt1"/>
+                </a:solidFill>
+              </a:defRPr>
+            </a:lvl9pPr>
+          </a:lstStyle>
+          <a:p>
+            <a:pPr algn="l"/>
+            <a:r>
+              <a:rPr lang="fr-FR" sz="1600" dirty="0">
                 <a:solidFill>
                   <a:schemeClr val="tx1"/>
                 </a:solidFill>
               </a:rPr>
-              <a:t>Fonctionnalités accessible uniquement aux administrateurs.</a:t>
-            </a:r>
-          </a:p>
-        </p:txBody>
-      </p:sp>
-      <p:sp>
-        <p:nvSpPr>
-          <p:cNvPr id="21" name="Rectangle 20">
-            <a:extLst>
-              <a:ext uri="{FF2B5EF4-FFF2-40B4-BE49-F238E27FC236}">
-                <a16:creationId xmlns:a16="http://schemas.microsoft.com/office/drawing/2014/main" id="{C93F7CC7-27FC-4656-BE03-385687D67BE9}"/>
+              <a:t>Pour modifier un stagiaire, présélectionnez le dans la liste et modifier ses données dans la partie gestion des stagiaires.</a:t>
+            </a:r>
+          </a:p>
+        </p:txBody>
+      </p:sp>
+      <p:sp>
+        <p:nvSpPr>
+          <p:cNvPr id="24" name="Accolade fermante 23">
+            <a:extLst>
+              <a:ext uri="{FF2B5EF4-FFF2-40B4-BE49-F238E27FC236}">
+                <a16:creationId xmlns:a16="http://schemas.microsoft.com/office/drawing/2014/main" id="{9773CD5F-4740-4AB7-A025-9591DD2FAAA9}"/>
               </a:ext>
             </a:extLst>
           </p:cNvPr>
@@ -4575,15 +4794,60 @@
         </p:nvSpPr>
         <p:spPr>
           <a:xfrm>
-            <a:off x="5200261" y="5716847"/>
-            <a:ext cx="2478833" cy="914400"/>
+            <a:off x="8537516" y="3096714"/>
+            <a:ext cx="1287629" cy="1641456"/>
+          </a:xfrm>
+          <a:prstGeom prst="rightBrace">
+            <a:avLst/>
+          </a:prstGeom>
+          <a:ln w="38100"/>
+        </p:spPr>
+        <p:style>
+          <a:lnRef idx="3">
+            <a:schemeClr val="accent2"/>
+          </a:lnRef>
+          <a:fillRef idx="0">
+            <a:schemeClr val="accent2"/>
+          </a:fillRef>
+          <a:effectRef idx="2">
+            <a:schemeClr val="accent2"/>
+          </a:effectRef>
+          <a:fontRef idx="minor">
+            <a:schemeClr val="tx1"/>
+          </a:fontRef>
+        </p:style>
+        <p:txBody>
+          <a:bodyPr rtlCol="0" anchor="ctr"/>
+          <a:lstStyle/>
+          <a:p>
+            <a:pPr algn="ctr"/>
+            <a:endParaRPr lang="fr-FR"/>
+          </a:p>
+        </p:txBody>
+      </p:sp>
+      <p:sp>
+        <p:nvSpPr>
+          <p:cNvPr id="25" name="Rectangle 24">
+            <a:extLst>
+              <a:ext uri="{FF2B5EF4-FFF2-40B4-BE49-F238E27FC236}">
+                <a16:creationId xmlns:a16="http://schemas.microsoft.com/office/drawing/2014/main" id="{D2D1003B-7D54-4790-8F99-985F0F076968}"/>
+              </a:ext>
+            </a:extLst>
+          </p:cNvPr>
+          <p:cNvSpPr/>
+          <p:nvPr/>
+        </p:nvSpPr>
+        <p:spPr>
+          <a:xfrm>
+            <a:off x="9915819" y="2654452"/>
+            <a:ext cx="1987554" cy="2185478"/>
           </a:xfrm>
           <a:prstGeom prst="rect">
             <a:avLst/>
           </a:prstGeom>
           <a:solidFill>
             <a:srgbClr val="E27445">
-              <a:alpha val="50000"/>
+              <a:alpha val="70000"/>
             </a:srgbClr>
           </a:solidFill>
         </p:spPr>
@@ -4607,69 +4871,23 @@
           <a:bodyPr rtlCol="0" anchor="ctr"/>
           <a:lstStyle/>
           <a:p>
-            <a:pPr algn="ctr"/>
-            <a:r>
-              <a:rPr lang="fr-FR" dirty="0">
+            <a:r>
+              <a:rPr lang="fr-FR" sz="1600" dirty="0">
                 <a:solidFill>
                   <a:schemeClr val="tx1"/>
                 </a:solidFill>
               </a:rPr>
-              <a:t>Permet la mise à jour du tableau suite a un ajout ou une suppression </a:t>
-            </a:r>
-          </a:p>
-        </p:txBody>
-      </p:sp>
-      <p:cxnSp>
-        <p:nvCxnSpPr>
-          <p:cNvPr id="22" name="Connecteur droit avec flèche 21">
-            <a:extLst>
-              <a:ext uri="{FF2B5EF4-FFF2-40B4-BE49-F238E27FC236}">
-                <a16:creationId xmlns:a16="http://schemas.microsoft.com/office/drawing/2014/main" id="{6AEFCE9D-BFA2-4F35-A93B-725A630453AC}"/>
-              </a:ext>
-            </a:extLst>
-          </p:cNvPr>
-          <p:cNvCxnSpPr>
-            <a:cxnSpLocks/>
-            <a:stCxn id="21" idx="0"/>
-          </p:cNvCxnSpPr>
-          <p:nvPr/>
-        </p:nvCxnSpPr>
-        <p:spPr>
-          <a:xfrm flipH="1" flipV="1">
-            <a:off x="6027576" y="5212704"/>
-            <a:ext cx="412102" cy="504143"/>
-          </a:xfrm>
-          <a:prstGeom prst="straightConnector1">
-            <a:avLst/>
-          </a:prstGeom>
-          <a:ln w="38100">
-            <a:solidFill>
-              <a:srgbClr val="E37E5D"/>
-            </a:solidFill>
-            <a:tailEnd type="triangle"/>
-          </a:ln>
-        </p:spPr>
-        <p:style>
-          <a:lnRef idx="1">
-            <a:schemeClr val="accent1"/>
-          </a:lnRef>
-          <a:fillRef idx="0">
-            <a:schemeClr val="accent1"/>
-          </a:fillRef>
-          <a:effectRef idx="0">
-            <a:schemeClr val="accent1"/>
-          </a:effectRef>
-          <a:fontRef idx="minor">
-            <a:schemeClr val="tx1"/>
-          </a:fontRef>
-        </p:style>
-      </p:cxnSp>
-      <p:sp>
-        <p:nvSpPr>
-          <p:cNvPr id="25" name="Cadre 24">
-            <a:extLst>
-              <a:ext uri="{FF2B5EF4-FFF2-40B4-BE49-F238E27FC236}">
-                <a16:creationId xmlns:a16="http://schemas.microsoft.com/office/drawing/2014/main" id="{CB767A45-91AA-4256-ADA4-75B5A5F06FA1}"/>
+              <a:t>Quand un stagiaire est sélectionné dans le tableau, ses données s’afficheront ici. Cela va permettre la modification ou la suppression du stagiaire en question</a:t>
+            </a:r>
+          </a:p>
+        </p:txBody>
+      </p:sp>
+      <p:sp>
+        <p:nvSpPr>
+          <p:cNvPr id="29" name="Cadre 28">
+            <a:extLst>
+              <a:ext uri="{FF2B5EF4-FFF2-40B4-BE49-F238E27FC236}">
+                <a16:creationId xmlns:a16="http://schemas.microsoft.com/office/drawing/2014/main" id="{778404C7-97D6-405E-826B-7E71EF70D637}"/>
               </a:ext>
             </a:extLst>
           </p:cNvPr>
@@ -4678,12 +4896,12 @@
         </p:nvSpPr>
         <p:spPr>
           <a:xfrm>
-            <a:off x="5271794" y="1586203"/>
-            <a:ext cx="3555936" cy="1642188"/>
+            <a:off x="288627" y="2404543"/>
+            <a:ext cx="1624150" cy="249909"/>
           </a:xfrm>
           <a:prstGeom prst="frame">
             <a:avLst>
-              <a:gd name="adj1" fmla="val 4449"/>
+              <a:gd name="adj1" fmla="val 4662"/>
             </a:avLst>
           </a:prstGeom>
           <a:solidFill>
@@ -4724,29 +4942,313 @@
           </a:p>
         </p:txBody>
       </p:sp>
-      <p:sp>
-        <p:nvSpPr>
-          <p:cNvPr id="26" name="Rectangle 25">
-            <a:extLst>
-              <a:ext uri="{FF2B5EF4-FFF2-40B4-BE49-F238E27FC236}">
-                <a16:creationId xmlns:a16="http://schemas.microsoft.com/office/drawing/2014/main" id="{92F7DC74-2493-45F2-8576-C808562E7773}"/>
-              </a:ext>
-            </a:extLst>
-          </p:cNvPr>
-          <p:cNvSpPr/>
+      <p:grpSp>
+        <p:nvGrpSpPr>
+          <p:cNvPr id="51" name="Groupe 50">
+            <a:extLst>
+              <a:ext uri="{FF2B5EF4-FFF2-40B4-BE49-F238E27FC236}">
+                <a16:creationId xmlns:a16="http://schemas.microsoft.com/office/drawing/2014/main" id="{993CB9DF-3849-4D3C-BB01-1798D3B63492}"/>
+              </a:ext>
+            </a:extLst>
+          </p:cNvPr>
+          <p:cNvGrpSpPr/>
           <p:nvPr/>
-        </p:nvSpPr>
-        <p:spPr>
+        </p:nvGrpSpPr>
+        <p:grpSpPr>
           <a:xfrm>
-            <a:off x="9131559" y="326569"/>
-            <a:ext cx="2929812" cy="1181878"/>
+            <a:off x="288627" y="599206"/>
+            <a:ext cx="4738567" cy="1377774"/>
+            <a:chOff x="2380689" y="508306"/>
+            <a:chExt cx="4738567" cy="1377774"/>
+          </a:xfrm>
+        </p:grpSpPr>
+        <p:pic>
+          <p:nvPicPr>
+            <p:cNvPr id="36" name="Image 35">
+              <a:extLst>
+                <a:ext uri="{FF2B5EF4-FFF2-40B4-BE49-F238E27FC236}">
+                  <a16:creationId xmlns:a16="http://schemas.microsoft.com/office/drawing/2014/main" id="{D1208B1D-172E-43B4-B585-AEEB6DADC731}"/>
+                </a:ext>
+              </a:extLst>
+            </p:cNvPr>
+            <p:cNvPicPr>
+              <a:picLocks noChangeAspect="1"/>
+            </p:cNvPicPr>
+            <p:nvPr/>
+          </p:nvPicPr>
+          <p:blipFill>
+            <a:blip r:embed="rId3"/>
+            <a:stretch>
+              <a:fillRect/>
+            </a:stretch>
+          </p:blipFill>
+          <p:spPr>
+            <a:xfrm>
+              <a:off x="2495698" y="620970"/>
+              <a:ext cx="1724025" cy="1076325"/>
+            </a:xfrm>
+            <a:prstGeom prst="rect">
+              <a:avLst/>
+            </a:prstGeom>
+          </p:spPr>
+        </p:pic>
+        <p:pic>
+          <p:nvPicPr>
+            <p:cNvPr id="38" name="Image 37">
+              <a:extLst>
+                <a:ext uri="{FF2B5EF4-FFF2-40B4-BE49-F238E27FC236}">
+                  <a16:creationId xmlns:a16="http://schemas.microsoft.com/office/drawing/2014/main" id="{BD5BF5F3-84BA-4A37-B292-DBC69E2BCFB0}"/>
+                </a:ext>
+              </a:extLst>
+            </p:cNvPr>
+            <p:cNvPicPr>
+              <a:picLocks noChangeAspect="1"/>
+            </p:cNvPicPr>
+            <p:nvPr/>
+          </p:nvPicPr>
+          <p:blipFill>
+            <a:blip r:embed="rId4"/>
+            <a:stretch>
+              <a:fillRect/>
+            </a:stretch>
+          </p:blipFill>
+          <p:spPr>
+            <a:xfrm>
+              <a:off x="4278817" y="820506"/>
+              <a:ext cx="1371600" cy="581025"/>
+            </a:xfrm>
+            <a:prstGeom prst="rect">
+              <a:avLst/>
+            </a:prstGeom>
+          </p:spPr>
+        </p:pic>
+        <p:pic>
+          <p:nvPicPr>
+            <p:cNvPr id="40" name="Image 39">
+              <a:extLst>
+                <a:ext uri="{FF2B5EF4-FFF2-40B4-BE49-F238E27FC236}">
+                  <a16:creationId xmlns:a16="http://schemas.microsoft.com/office/drawing/2014/main" id="{66873A58-46FF-40C1-8E6E-F9C9F97B9704}"/>
+                </a:ext>
+              </a:extLst>
+            </p:cNvPr>
+            <p:cNvPicPr>
+              <a:picLocks noChangeAspect="1"/>
+            </p:cNvPicPr>
+            <p:nvPr/>
+          </p:nvPicPr>
+          <p:blipFill>
+            <a:blip r:embed="rId5"/>
+            <a:stretch>
+              <a:fillRect/>
+            </a:stretch>
+          </p:blipFill>
+          <p:spPr>
+            <a:xfrm>
+              <a:off x="5760136" y="652328"/>
+              <a:ext cx="1181100" cy="800100"/>
+            </a:xfrm>
+            <a:prstGeom prst="rect">
+              <a:avLst/>
+            </a:prstGeom>
+          </p:spPr>
+        </p:pic>
+        <p:sp>
+          <p:nvSpPr>
+            <p:cNvPr id="41" name="Cadre 40">
+              <a:extLst>
+                <a:ext uri="{FF2B5EF4-FFF2-40B4-BE49-F238E27FC236}">
+                  <a16:creationId xmlns:a16="http://schemas.microsoft.com/office/drawing/2014/main" id="{2CF8389A-DFD0-42E4-8399-B32C61BAF542}"/>
+                </a:ext>
+              </a:extLst>
+            </p:cNvPr>
+            <p:cNvSpPr/>
+            <p:nvPr/>
+          </p:nvSpPr>
+          <p:spPr>
+            <a:xfrm>
+              <a:off x="2380689" y="508306"/>
+              <a:ext cx="4738567" cy="1377774"/>
+            </a:xfrm>
+            <a:prstGeom prst="frame">
+              <a:avLst>
+                <a:gd name="adj1" fmla="val 2630"/>
+              </a:avLst>
+            </a:prstGeom>
+            <a:solidFill>
+              <a:srgbClr val="EB8051"/>
+            </a:solidFill>
+            <a:ln>
+              <a:solidFill>
+                <a:srgbClr val="E37E5D"/>
+              </a:solidFill>
+            </a:ln>
+          </p:spPr>
+          <p:style>
+            <a:lnRef idx="2">
+              <a:schemeClr val="dk1">
+                <a:shade val="50000"/>
+              </a:schemeClr>
+            </a:lnRef>
+            <a:fillRef idx="1">
+              <a:schemeClr val="dk1"/>
+            </a:fillRef>
+            <a:effectRef idx="0">
+              <a:schemeClr val="dk1"/>
+            </a:effectRef>
+            <a:fontRef idx="minor">
+              <a:schemeClr val="lt1"/>
+            </a:fontRef>
+          </p:style>
+          <p:txBody>
+            <a:bodyPr rtlCol="0" anchor="ctr"/>
+            <a:lstStyle/>
+            <a:p>
+              <a:pPr algn="ctr"/>
+              <a:endParaRPr lang="fr-FR">
+                <a:solidFill>
+                  <a:schemeClr val="tx1"/>
+                </a:solidFill>
+              </a:endParaRPr>
+            </a:p>
+          </p:txBody>
+        </p:sp>
+      </p:grpSp>
+      <p:cxnSp>
+        <p:nvCxnSpPr>
+          <p:cNvPr id="43" name="Connecteur droit 42">
+            <a:extLst>
+              <a:ext uri="{FF2B5EF4-FFF2-40B4-BE49-F238E27FC236}">
+                <a16:creationId xmlns:a16="http://schemas.microsoft.com/office/drawing/2014/main" id="{92FF3C94-9C38-421C-A3C2-F2DBABA592EB}"/>
+              </a:ext>
+            </a:extLst>
+          </p:cNvPr>
+          <p:cNvCxnSpPr>
+            <a:cxnSpLocks/>
+          </p:cNvCxnSpPr>
+          <p:nvPr/>
+        </p:nvCxnSpPr>
+        <p:spPr>
+          <a:xfrm flipV="1">
+            <a:off x="316660" y="1831533"/>
+            <a:ext cx="0" cy="569505"/>
+          </a:xfrm>
+          <a:prstGeom prst="line">
+            <a:avLst/>
+          </a:prstGeom>
+          <a:ln w="38100"/>
+        </p:spPr>
+        <p:style>
+          <a:lnRef idx="1">
+            <a:schemeClr val="accent2"/>
+          </a:lnRef>
+          <a:fillRef idx="0">
+            <a:schemeClr val="accent2"/>
+          </a:fillRef>
+          <a:effectRef idx="0">
+            <a:schemeClr val="accent2"/>
+          </a:effectRef>
+          <a:fontRef idx="minor">
+            <a:schemeClr val="tx1"/>
+          </a:fontRef>
+        </p:style>
+      </p:cxnSp>
+      <p:cxnSp>
+        <p:nvCxnSpPr>
+          <p:cNvPr id="44" name="Connecteur droit 43">
+            <a:extLst>
+              <a:ext uri="{FF2B5EF4-FFF2-40B4-BE49-F238E27FC236}">
+                <a16:creationId xmlns:a16="http://schemas.microsoft.com/office/drawing/2014/main" id="{0B256BB7-281E-49FA-90FE-30C2B632D2CE}"/>
+              </a:ext>
+            </a:extLst>
+          </p:cNvPr>
+          <p:cNvCxnSpPr>
+            <a:cxnSpLocks/>
+          </p:cNvCxnSpPr>
+          <p:nvPr/>
+        </p:nvCxnSpPr>
+        <p:spPr>
+          <a:xfrm flipV="1">
+            <a:off x="1912777" y="1960872"/>
+            <a:ext cx="3082969" cy="450853"/>
+          </a:xfrm>
+          <a:prstGeom prst="line">
+            <a:avLst/>
+          </a:prstGeom>
+          <a:ln w="38100"/>
+        </p:spPr>
+        <p:style>
+          <a:lnRef idx="1">
+            <a:schemeClr val="accent2"/>
+          </a:lnRef>
+          <a:fillRef idx="0">
+            <a:schemeClr val="accent2"/>
+          </a:fillRef>
+          <a:effectRef idx="0">
+            <a:schemeClr val="accent2"/>
+          </a:effectRef>
+          <a:fontRef idx="minor">
+            <a:schemeClr val="tx1"/>
+          </a:fontRef>
+        </p:style>
+      </p:cxnSp>
+      <p:sp>
+        <p:nvSpPr>
+          <p:cNvPr id="63" name="ZoneTexte 62">
+            <a:extLst>
+              <a:ext uri="{FF2B5EF4-FFF2-40B4-BE49-F238E27FC236}">
+                <a16:creationId xmlns:a16="http://schemas.microsoft.com/office/drawing/2014/main" id="{B3AA40E5-63FA-487A-B9C0-0F96251F8489}"/>
+              </a:ext>
+            </a:extLst>
+          </p:cNvPr>
+          <p:cNvSpPr txBox="1"/>
+          <p:nvPr/>
+        </p:nvSpPr>
+        <p:spPr>
+          <a:xfrm>
+            <a:off x="3626638" y="-25957"/>
+            <a:ext cx="4938724" cy="461665"/>
+          </a:xfrm>
+          <a:prstGeom prst="rect">
+            <a:avLst/>
+          </a:prstGeom>
+          <a:noFill/>
+        </p:spPr>
+        <p:txBody>
+          <a:bodyPr wrap="none" rtlCol="0">
+            <a:spAutoFit/>
+          </a:bodyPr>
+          <a:lstStyle/>
+          <a:p>
+            <a:r>
+              <a:rPr lang="fr-FR" sz="2400" b="1" dirty="0"/>
+              <a:t>Interface Administrateur / Formateur</a:t>
+            </a:r>
+          </a:p>
+        </p:txBody>
+      </p:sp>
+      <p:sp>
+        <p:nvSpPr>
+          <p:cNvPr id="67" name="ZoneTexte 66">
+            <a:extLst>
+              <a:ext uri="{FF2B5EF4-FFF2-40B4-BE49-F238E27FC236}">
+                <a16:creationId xmlns:a16="http://schemas.microsoft.com/office/drawing/2014/main" id="{BFA028B0-C456-4706-BF8E-18AF89BAD6A8}"/>
+              </a:ext>
+            </a:extLst>
+          </p:cNvPr>
+          <p:cNvSpPr txBox="1"/>
+          <p:nvPr/>
+        </p:nvSpPr>
+        <p:spPr>
+          <a:xfrm>
+            <a:off x="5271090" y="598258"/>
+            <a:ext cx="3799704" cy="1377774"/>
           </a:xfrm>
           <a:prstGeom prst="rect">
             <a:avLst/>
           </a:prstGeom>
           <a:solidFill>
             <a:srgbClr val="E27445">
-              <a:alpha val="50000"/>
+              <a:alpha val="70000"/>
             </a:srgbClr>
           </a:solidFill>
         </p:spPr>
@@ -4768,299 +5270,78 @@
         </p:style>
         <p:txBody>
           <a:bodyPr rtlCol="0" anchor="ctr"/>
-          <a:lstStyle/>
-          <a:p>
-            <a:pPr algn="ctr"/>
-            <a:r>
-              <a:rPr lang="fr-FR" dirty="0">
+          <a:lstStyle>
+            <a:defPPr>
+              <a:defRPr lang="fr-FR"/>
+            </a:defPPr>
+            <a:lvl1pPr>
+              <a:defRPr sz="1400"/>
+            </a:lvl1pPr>
+            <a:lvl2pPr>
+              <a:defRPr>
                 <a:solidFill>
-                  <a:schemeClr val="tx1"/>
+                  <a:schemeClr val="lt1"/>
                 </a:solidFill>
-              </a:rPr>
-              <a:t>Permet de rechercher un stagiaire par son nom, département ou année d’entrée</a:t>
-            </a:r>
-          </a:p>
-        </p:txBody>
-      </p:sp>
-      <p:cxnSp>
-        <p:nvCxnSpPr>
-          <p:cNvPr id="27" name="Connecteur droit avec flèche 26">
-            <a:extLst>
-              <a:ext uri="{FF2B5EF4-FFF2-40B4-BE49-F238E27FC236}">
-                <a16:creationId xmlns:a16="http://schemas.microsoft.com/office/drawing/2014/main" id="{6EBC2477-EE2D-47B6-A501-25DC4947422F}"/>
-              </a:ext>
-            </a:extLst>
-          </p:cNvPr>
-          <p:cNvCxnSpPr>
-            <a:cxnSpLocks/>
-            <a:stCxn id="26" idx="2"/>
-            <a:endCxn id="25" idx="3"/>
-          </p:cNvCxnSpPr>
-          <p:nvPr/>
-        </p:nvCxnSpPr>
-        <p:spPr>
-          <a:xfrm flipH="1">
-            <a:off x="8827730" y="1508447"/>
-            <a:ext cx="1768735" cy="898850"/>
-          </a:xfrm>
-          <a:prstGeom prst="straightConnector1">
-            <a:avLst/>
-          </a:prstGeom>
-          <a:ln w="38100">
-            <a:solidFill>
-              <a:srgbClr val="E37E5D"/>
-            </a:solidFill>
-            <a:tailEnd type="triangle"/>
-          </a:ln>
-        </p:spPr>
-        <p:style>
-          <a:lnRef idx="1">
-            <a:schemeClr val="accent1"/>
-          </a:lnRef>
-          <a:fillRef idx="0">
-            <a:schemeClr val="accent1"/>
-          </a:fillRef>
-          <a:effectRef idx="0">
-            <a:schemeClr val="accent1"/>
-          </a:effectRef>
-          <a:fontRef idx="minor">
-            <a:schemeClr val="tx1"/>
-          </a:fontRef>
-        </p:style>
-      </p:cxnSp>
-      <p:pic>
-        <p:nvPicPr>
-          <p:cNvPr id="33" name="Image 32">
-            <a:extLst>
-              <a:ext uri="{FF2B5EF4-FFF2-40B4-BE49-F238E27FC236}">
-                <a16:creationId xmlns:a16="http://schemas.microsoft.com/office/drawing/2014/main" id="{E341701F-4612-4AE6-AE6A-7ADBB283A15C}"/>
-              </a:ext>
-            </a:extLst>
-          </p:cNvPr>
-          <p:cNvPicPr>
-            <a:picLocks noChangeAspect="1"/>
-          </p:cNvPicPr>
-          <p:nvPr/>
-        </p:nvPicPr>
-        <p:blipFill rotWithShape="1">
-          <a:blip r:embed="rId3"/>
-          <a:srcRect t="12490"/>
-          <a:stretch/>
-        </p:blipFill>
-        <p:spPr>
-          <a:xfrm>
-            <a:off x="982436" y="1908839"/>
-            <a:ext cx="1924050" cy="1316977"/>
-          </a:xfrm>
-          <a:prstGeom prst="rect">
-            <a:avLst/>
-          </a:prstGeom>
-        </p:spPr>
-      </p:pic>
-      <p:sp>
-        <p:nvSpPr>
-          <p:cNvPr id="34" name="Cadre 33">
-            <a:extLst>
-              <a:ext uri="{FF2B5EF4-FFF2-40B4-BE49-F238E27FC236}">
-                <a16:creationId xmlns:a16="http://schemas.microsoft.com/office/drawing/2014/main" id="{0E3903CD-0366-433D-BA4D-01DCC04D4704}"/>
-              </a:ext>
-            </a:extLst>
-          </p:cNvPr>
-          <p:cNvSpPr/>
-          <p:nvPr/>
-        </p:nvSpPr>
-        <p:spPr>
-          <a:xfrm>
-            <a:off x="158625" y="1294669"/>
-            <a:ext cx="587828" cy="241771"/>
-          </a:xfrm>
-          <a:prstGeom prst="frame">
-            <a:avLst/>
-          </a:prstGeom>
-          <a:solidFill>
-            <a:srgbClr val="EB8051"/>
-          </a:solidFill>
-          <a:ln>
-            <a:solidFill>
-              <a:srgbClr val="E37E5D"/>
-            </a:solidFill>
-          </a:ln>
-        </p:spPr>
-        <p:style>
-          <a:lnRef idx="2">
-            <a:schemeClr val="dk1">
-              <a:shade val="50000"/>
-            </a:schemeClr>
-          </a:lnRef>
-          <a:fillRef idx="1">
-            <a:schemeClr val="dk1"/>
-          </a:fillRef>
-          <a:effectRef idx="0">
-            <a:schemeClr val="dk1"/>
-          </a:effectRef>
-          <a:fontRef idx="minor">
-            <a:schemeClr val="lt1"/>
-          </a:fontRef>
-        </p:style>
-        <p:txBody>
-          <a:bodyPr rtlCol="0" anchor="ctr"/>
-          <a:lstStyle/>
-          <a:p>
-            <a:pPr algn="ctr"/>
-            <a:endParaRPr lang="fr-FR">
-              <a:solidFill>
-                <a:schemeClr val="tx1"/>
-              </a:solidFill>
-            </a:endParaRPr>
-          </a:p>
-        </p:txBody>
-      </p:sp>
-      <p:cxnSp>
-        <p:nvCxnSpPr>
-          <p:cNvPr id="35" name="Connecteur droit avec flèche 34">
-            <a:extLst>
-              <a:ext uri="{FF2B5EF4-FFF2-40B4-BE49-F238E27FC236}">
-                <a16:creationId xmlns:a16="http://schemas.microsoft.com/office/drawing/2014/main" id="{1FA7E89C-3DE1-4A3C-B466-CF83871A5722}"/>
-              </a:ext>
-            </a:extLst>
-          </p:cNvPr>
-          <p:cNvCxnSpPr>
-            <a:cxnSpLocks/>
-            <a:stCxn id="34" idx="2"/>
-            <a:endCxn id="33" idx="1"/>
-          </p:cNvCxnSpPr>
-          <p:nvPr/>
-        </p:nvCxnSpPr>
-        <p:spPr>
-          <a:xfrm>
-            <a:off x="452539" y="1536440"/>
-            <a:ext cx="529897" cy="1030888"/>
-          </a:xfrm>
-          <a:prstGeom prst="straightConnector1">
-            <a:avLst/>
-          </a:prstGeom>
-          <a:ln w="38100">
-            <a:solidFill>
-              <a:srgbClr val="E37E5D"/>
-            </a:solidFill>
-            <a:tailEnd type="triangle"/>
-          </a:ln>
-        </p:spPr>
-        <p:style>
-          <a:lnRef idx="1">
-            <a:schemeClr val="accent1"/>
-          </a:lnRef>
-          <a:fillRef idx="0">
-            <a:schemeClr val="accent1"/>
-          </a:fillRef>
-          <a:effectRef idx="0">
-            <a:schemeClr val="accent1"/>
-          </a:effectRef>
-          <a:fontRef idx="minor">
-            <a:schemeClr val="tx1"/>
-          </a:fontRef>
-        </p:style>
-      </p:cxnSp>
-      <p:cxnSp>
-        <p:nvCxnSpPr>
-          <p:cNvPr id="39" name="Connecteur droit avec flèche 38">
-            <a:extLst>
-              <a:ext uri="{FF2B5EF4-FFF2-40B4-BE49-F238E27FC236}">
-                <a16:creationId xmlns:a16="http://schemas.microsoft.com/office/drawing/2014/main" id="{2BCA770A-EB5D-4E07-BC72-C399791260DF}"/>
-              </a:ext>
-            </a:extLst>
-          </p:cNvPr>
-          <p:cNvCxnSpPr>
-            <a:cxnSpLocks/>
-            <a:stCxn id="33" idx="3"/>
-            <a:endCxn id="41" idx="1"/>
-          </p:cNvCxnSpPr>
-          <p:nvPr/>
-        </p:nvCxnSpPr>
-        <p:spPr>
-          <a:xfrm>
-            <a:off x="2906486" y="2567328"/>
-            <a:ext cx="441258" cy="0"/>
-          </a:xfrm>
-          <a:prstGeom prst="straightConnector1">
-            <a:avLst/>
-          </a:prstGeom>
-          <a:ln w="38100">
-            <a:solidFill>
-              <a:srgbClr val="E37E5D"/>
-            </a:solidFill>
-            <a:tailEnd type="triangle"/>
-          </a:ln>
-        </p:spPr>
-        <p:style>
-          <a:lnRef idx="1">
-            <a:schemeClr val="accent1"/>
-          </a:lnRef>
-          <a:fillRef idx="0">
-            <a:schemeClr val="accent1"/>
-          </a:fillRef>
-          <a:effectRef idx="0">
-            <a:schemeClr val="accent1"/>
-          </a:effectRef>
-          <a:fontRef idx="minor">
-            <a:schemeClr val="tx1"/>
-          </a:fontRef>
-        </p:style>
-      </p:cxnSp>
-      <p:sp>
-        <p:nvSpPr>
-          <p:cNvPr id="41" name="Rectangle 40">
-            <a:extLst>
-              <a:ext uri="{FF2B5EF4-FFF2-40B4-BE49-F238E27FC236}">
-                <a16:creationId xmlns:a16="http://schemas.microsoft.com/office/drawing/2014/main" id="{61667240-5B6E-48F1-B639-707BCC8C9309}"/>
-              </a:ext>
-            </a:extLst>
-          </p:cNvPr>
-          <p:cNvSpPr/>
-          <p:nvPr/>
-        </p:nvSpPr>
-        <p:spPr>
-          <a:xfrm>
-            <a:off x="3347744" y="1908839"/>
-            <a:ext cx="1657544" cy="1316977"/>
-          </a:xfrm>
-          <a:prstGeom prst="rect">
-            <a:avLst/>
-          </a:prstGeom>
-          <a:solidFill>
-            <a:srgbClr val="E27445">
-              <a:alpha val="50000"/>
-            </a:srgbClr>
-          </a:solidFill>
-        </p:spPr>
-        <p:style>
-          <a:lnRef idx="2">
-            <a:schemeClr val="accent1">
-              <a:shade val="50000"/>
-            </a:schemeClr>
-          </a:lnRef>
-          <a:fillRef idx="1">
-            <a:schemeClr val="accent1"/>
-          </a:fillRef>
-          <a:effectRef idx="0">
-            <a:schemeClr val="accent1"/>
-          </a:effectRef>
-          <a:fontRef idx="minor">
-            <a:schemeClr val="lt1"/>
-          </a:fontRef>
-        </p:style>
-        <p:txBody>
-          <a:bodyPr rtlCol="0" anchor="ctr"/>
-          <a:lstStyle/>
-          <a:p>
-            <a:pPr algn="ctr"/>
+              </a:defRPr>
+            </a:lvl2pPr>
+            <a:lvl3pPr>
+              <a:defRPr>
+                <a:solidFill>
+                  <a:schemeClr val="lt1"/>
+                </a:solidFill>
+              </a:defRPr>
+            </a:lvl3pPr>
+            <a:lvl4pPr>
+              <a:defRPr>
+                <a:solidFill>
+                  <a:schemeClr val="lt1"/>
+                </a:solidFill>
+              </a:defRPr>
+            </a:lvl4pPr>
+            <a:lvl5pPr>
+              <a:defRPr>
+                <a:solidFill>
+                  <a:schemeClr val="lt1"/>
+                </a:solidFill>
+              </a:defRPr>
+            </a:lvl5pPr>
+            <a:lvl6pPr>
+              <a:defRPr>
+                <a:solidFill>
+                  <a:schemeClr val="lt1"/>
+                </a:solidFill>
+              </a:defRPr>
+            </a:lvl6pPr>
+            <a:lvl7pPr>
+              <a:defRPr>
+                <a:solidFill>
+                  <a:schemeClr val="lt1"/>
+                </a:solidFill>
+              </a:defRPr>
+            </a:lvl7pPr>
+            <a:lvl8pPr>
+              <a:defRPr>
+                <a:solidFill>
+                  <a:schemeClr val="lt1"/>
+                </a:solidFill>
+              </a:defRPr>
+            </a:lvl8pPr>
+            <a:lvl9pPr>
+              <a:defRPr>
+                <a:solidFill>
+                  <a:schemeClr val="lt1"/>
+                </a:solidFill>
+              </a:defRPr>
+            </a:lvl9pPr>
+          </a:lstStyle>
+          <a:p>
             <a:r>
               <a:rPr lang="fr-FR" sz="1600" dirty="0">
                 <a:solidFill>
                   <a:schemeClr val="tx1"/>
                 </a:solidFill>
               </a:rPr>
-              <a:t>Menu interactif dans lequel se trouve la fonctionnalité d’impression</a:t>
+              <a:t>Menu interactif dans lequel se trouve la fonctionnalité d’impression de la liste sous format PDF ainsi que la fonctionnalité recherche multicritères</a:t>
             </a:r>
           </a:p>
         </p:txBody>
@@ -5068,7 +5349,7 @@
     </p:spTree>
     <p:extLst>
       <p:ext uri="{BB962C8B-B14F-4D97-AF65-F5344CB8AC3E}">
-        <p14:creationId xmlns:p14="http://schemas.microsoft.com/office/powerpoint/2010/main" val="3471011496"/>
+        <p14:creationId xmlns:p14="http://schemas.microsoft.com/office/powerpoint/2010/main" val="1080423090"/>
       </p:ext>
     </p:extLst>
   </p:cSld>
@@ -5095,47 +5376,12 @@
           <a:chExt cx="0" cy="0"/>
         </a:xfrm>
       </p:grpSpPr>
-      <p:sp>
-        <p:nvSpPr>
-          <p:cNvPr id="2" name="ZoneTexte 1">
-            <a:extLst>
-              <a:ext uri="{FF2B5EF4-FFF2-40B4-BE49-F238E27FC236}">
-                <a16:creationId xmlns:a16="http://schemas.microsoft.com/office/drawing/2014/main" id="{71C8F472-1B91-47AA-BE4B-76633E33468F}"/>
-              </a:ext>
-            </a:extLst>
-          </p:cNvPr>
-          <p:cNvSpPr txBox="1"/>
-          <p:nvPr/>
-        </p:nvSpPr>
-        <p:spPr>
-          <a:xfrm>
-            <a:off x="3626638" y="0"/>
-            <a:ext cx="5295360" cy="461665"/>
-          </a:xfrm>
-          <a:prstGeom prst="rect">
-            <a:avLst/>
-          </a:prstGeom>
-          <a:noFill/>
-        </p:spPr>
-        <p:txBody>
-          <a:bodyPr wrap="none" rtlCol="0">
-            <a:spAutoFit/>
-          </a:bodyPr>
-          <a:lstStyle/>
-          <a:p>
-            <a:r>
-              <a:rPr lang="fr-FR" sz="2400" b="1" dirty="0"/>
-              <a:t>Interface Ajouter / Modifier un stagiaire</a:t>
-            </a:r>
-          </a:p>
-        </p:txBody>
-      </p:sp>
       <p:pic>
         <p:nvPicPr>
-          <p:cNvPr id="4" name="Image 3">
-            <a:extLst>
-              <a:ext uri="{FF2B5EF4-FFF2-40B4-BE49-F238E27FC236}">
-                <a16:creationId xmlns:a16="http://schemas.microsoft.com/office/drawing/2014/main" id="{07085B64-E32E-4B29-85A4-68E8908E8FD1}"/>
+          <p:cNvPr id="3" name="Image 2">
+            <a:extLst>
+              <a:ext uri="{FF2B5EF4-FFF2-40B4-BE49-F238E27FC236}">
+                <a16:creationId xmlns:a16="http://schemas.microsoft.com/office/drawing/2014/main" id="{1071131C-4AFF-4561-A08D-650FAA0798B1}"/>
               </a:ext>
             </a:extLst>
           </p:cNvPr>
@@ -5145,79 +5391,32 @@
           <p:nvPr/>
         </p:nvPicPr>
         <p:blipFill>
-          <a:blip r:embed="rId2">
-            <a:extLst>
-              <a:ext uri="{28A0092B-C50C-407E-A947-70E740481C1C}">
-                <a14:useLocalDpi xmlns:a14="http://schemas.microsoft.com/office/drawing/2010/main" val="0"/>
-              </a:ext>
-            </a:extLst>
-          </a:blip>
+          <a:blip r:embed="rId2"/>
           <a:stretch>
             <a:fillRect/>
           </a:stretch>
         </p:blipFill>
         <p:spPr>
           <a:xfrm>
-            <a:off x="1466638" y="873383"/>
-            <a:ext cx="4320000" cy="3792676"/>
+            <a:off x="1298335" y="663683"/>
+            <a:ext cx="9595328" cy="4957758"/>
           </a:xfrm>
           <a:prstGeom prst="rect">
             <a:avLst/>
           </a:prstGeom>
-          <a:ln w="19050">
+          <a:ln w="28575">
             <a:solidFill>
               <a:schemeClr val="tx1"/>
             </a:solidFill>
           </a:ln>
         </p:spPr>
       </p:pic>
-      <p:pic>
-        <p:nvPicPr>
-          <p:cNvPr id="6" name="Image 5">
-            <a:extLst>
-              <a:ext uri="{FF2B5EF4-FFF2-40B4-BE49-F238E27FC236}">
-                <a16:creationId xmlns:a16="http://schemas.microsoft.com/office/drawing/2014/main" id="{B0BCAB45-C3C3-4486-8574-C30E1B433CBA}"/>
-              </a:ext>
-            </a:extLst>
-          </p:cNvPr>
-          <p:cNvPicPr>
-            <a:picLocks noChangeAspect="1"/>
-          </p:cNvPicPr>
-          <p:nvPr/>
-        </p:nvPicPr>
-        <p:blipFill>
-          <a:blip r:embed="rId3">
-            <a:extLst>
-              <a:ext uri="{28A0092B-C50C-407E-A947-70E740481C1C}">
-                <a14:useLocalDpi xmlns:a14="http://schemas.microsoft.com/office/drawing/2010/main" val="0"/>
-              </a:ext>
-            </a:extLst>
-          </a:blip>
-          <a:stretch>
-            <a:fillRect/>
-          </a:stretch>
-        </p:blipFill>
-        <p:spPr>
-          <a:xfrm>
-            <a:off x="7025660" y="873384"/>
-            <a:ext cx="3792675" cy="3792675"/>
-          </a:xfrm>
-          <a:prstGeom prst="rect">
-            <a:avLst/>
-          </a:prstGeom>
-          <a:ln w="19050">
-            <a:solidFill>
-              <a:schemeClr val="tx1"/>
-            </a:solidFill>
-          </a:ln>
-        </p:spPr>
-      </p:pic>
-      <p:sp>
-        <p:nvSpPr>
-          <p:cNvPr id="7" name="ZoneTexte 6">
-            <a:extLst>
-              <a:ext uri="{FF2B5EF4-FFF2-40B4-BE49-F238E27FC236}">
-                <a16:creationId xmlns:a16="http://schemas.microsoft.com/office/drawing/2014/main" id="{67D447DC-7C46-4E44-890D-ADEF707750E7}"/>
+      <p:sp>
+        <p:nvSpPr>
+          <p:cNvPr id="4" name="ZoneTexte 3">
+            <a:extLst>
+              <a:ext uri="{FF2B5EF4-FFF2-40B4-BE49-F238E27FC236}">
+                <a16:creationId xmlns:a16="http://schemas.microsoft.com/office/drawing/2014/main" id="{373A87D3-6609-4DFC-9B52-65A2933DAF5F}"/>
               </a:ext>
             </a:extLst>
           </p:cNvPr>
@@ -5226,8 +5425,8 @@
         </p:nvSpPr>
         <p:spPr>
           <a:xfrm>
-            <a:off x="1422446" y="4784288"/>
-            <a:ext cx="4464004" cy="1477328"/>
+            <a:off x="4162810" y="0"/>
+            <a:ext cx="3866379" cy="461665"/>
           </a:xfrm>
           <a:prstGeom prst="rect">
             <a:avLst/>
@@ -5235,25 +5434,24 @@
           <a:noFill/>
         </p:spPr>
         <p:txBody>
-          <a:bodyPr wrap="square" rtlCol="0">
+          <a:bodyPr wrap="none" rtlCol="0">
             <a:spAutoFit/>
           </a:bodyPr>
           <a:lstStyle/>
           <a:p>
-            <a:pPr algn="just"/>
-            <a:r>
-              <a:rPr lang="fr-FR" dirty="0"/>
-              <a:t>Pour ajouter un stagiaire, il suffit de renseigner son nom, prénom, département, promotion et année dans les cases correspondantes puis cliquez sur le bouton "ajouter le stagiaire".</a:t>
-            </a:r>
-          </a:p>
-        </p:txBody>
-      </p:sp>
-      <p:sp>
-        <p:nvSpPr>
-          <p:cNvPr id="9" name="ZoneTexte 8">
-            <a:extLst>
-              <a:ext uri="{FF2B5EF4-FFF2-40B4-BE49-F238E27FC236}">
-                <a16:creationId xmlns:a16="http://schemas.microsoft.com/office/drawing/2014/main" id="{77280A81-ADC3-46FD-A351-91A9C0761DDF}"/>
+            <a:r>
+              <a:rPr lang="fr-FR" sz="2400" b="1" dirty="0"/>
+              <a:t>Interface Recherche Avancée</a:t>
+            </a:r>
+          </a:p>
+        </p:txBody>
+      </p:sp>
+      <p:sp>
+        <p:nvSpPr>
+          <p:cNvPr id="5" name="ZoneTexte 4">
+            <a:extLst>
+              <a:ext uri="{FF2B5EF4-FFF2-40B4-BE49-F238E27FC236}">
+                <a16:creationId xmlns:a16="http://schemas.microsoft.com/office/drawing/2014/main" id="{98C16728-211E-4433-9356-A818C5937D61}"/>
               </a:ext>
             </a:extLst>
           </p:cNvPr>
@@ -5262,24 +5460,108 @@
         </p:nvSpPr>
         <p:spPr>
           <a:xfrm>
-            <a:off x="7025660" y="4772083"/>
-            <a:ext cx="3792675" cy="1477328"/>
+            <a:off x="1298335" y="5858539"/>
+            <a:ext cx="9595328" cy="646962"/>
           </a:xfrm>
           <a:prstGeom prst="rect">
             <a:avLst/>
           </a:prstGeom>
-          <a:noFill/>
-        </p:spPr>
-        <p:txBody>
-          <a:bodyPr wrap="square" rtlCol="0">
-            <a:spAutoFit/>
-          </a:bodyPr>
-          <a:lstStyle/>
-          <a:p>
-            <a:pPr algn="just"/>
-            <a:r>
-              <a:rPr lang="fr-FR" dirty="0"/>
-              <a:t>Pour modifier un stagiaire, présélectionnez le dans la liste et modifier son nom dans les cases suivantes puis cliquez sur le bouton "valider les modification".</a:t>
+          <a:solidFill>
+            <a:srgbClr val="E27445">
+              <a:alpha val="70000"/>
+            </a:srgbClr>
+          </a:solidFill>
+        </p:spPr>
+        <p:style>
+          <a:lnRef idx="2">
+            <a:schemeClr val="accent1">
+              <a:shade val="50000"/>
+            </a:schemeClr>
+          </a:lnRef>
+          <a:fillRef idx="1">
+            <a:schemeClr val="accent1"/>
+          </a:fillRef>
+          <a:effectRef idx="0">
+            <a:schemeClr val="accent1"/>
+          </a:effectRef>
+          <a:fontRef idx="minor">
+            <a:schemeClr val="lt1"/>
+          </a:fontRef>
+        </p:style>
+        <p:txBody>
+          <a:bodyPr rtlCol="0" anchor="ctr"/>
+          <a:lstStyle>
+            <a:defPPr>
+              <a:defRPr lang="fr-FR"/>
+            </a:defPPr>
+            <a:lvl1pPr>
+              <a:defRPr sz="1400"/>
+            </a:lvl1pPr>
+            <a:lvl2pPr>
+              <a:defRPr>
+                <a:solidFill>
+                  <a:schemeClr val="lt1"/>
+                </a:solidFill>
+              </a:defRPr>
+            </a:lvl2pPr>
+            <a:lvl3pPr>
+              <a:defRPr>
+                <a:solidFill>
+                  <a:schemeClr val="lt1"/>
+                </a:solidFill>
+              </a:defRPr>
+            </a:lvl3pPr>
+            <a:lvl4pPr>
+              <a:defRPr>
+                <a:solidFill>
+                  <a:schemeClr val="lt1"/>
+                </a:solidFill>
+              </a:defRPr>
+            </a:lvl4pPr>
+            <a:lvl5pPr>
+              <a:defRPr>
+                <a:solidFill>
+                  <a:schemeClr val="lt1"/>
+                </a:solidFill>
+              </a:defRPr>
+            </a:lvl5pPr>
+            <a:lvl6pPr>
+              <a:defRPr>
+                <a:solidFill>
+                  <a:schemeClr val="lt1"/>
+                </a:solidFill>
+              </a:defRPr>
+            </a:lvl6pPr>
+            <a:lvl7pPr>
+              <a:defRPr>
+                <a:solidFill>
+                  <a:schemeClr val="lt1"/>
+                </a:solidFill>
+              </a:defRPr>
+            </a:lvl7pPr>
+            <a:lvl8pPr>
+              <a:defRPr>
+                <a:solidFill>
+                  <a:schemeClr val="lt1"/>
+                </a:solidFill>
+              </a:defRPr>
+            </a:lvl8pPr>
+            <a:lvl9pPr>
+              <a:defRPr>
+                <a:solidFill>
+                  <a:schemeClr val="lt1"/>
+                </a:solidFill>
+              </a:defRPr>
+            </a:lvl9pPr>
+          </a:lstStyle>
+          <a:p>
+            <a:r>
+              <a:rPr lang="fr-FR" sz="1600" dirty="0">
+                <a:solidFill>
+                  <a:schemeClr val="tx1"/>
+                </a:solidFill>
+              </a:rPr>
+              <a:t>A partir de cette fenêtre, vous pouvez faire une recherche avancée multicritères (nom, département et/ou année)</a:t>
             </a:r>
           </a:p>
         </p:txBody>
@@ -5287,7 +5569,7 @@
     </p:spTree>
     <p:extLst>
       <p:ext uri="{BB962C8B-B14F-4D97-AF65-F5344CB8AC3E}">
-        <p14:creationId xmlns:p14="http://schemas.microsoft.com/office/powerpoint/2010/main" val="1392230466"/>
+        <p14:creationId xmlns:p14="http://schemas.microsoft.com/office/powerpoint/2010/main" val="1530824901"/>
       </p:ext>
     </p:extLst>
   </p:cSld>
